--- a/primer Desafío Melisa Higa.pptx
+++ b/primer Desafío Melisa Higa.pptx
@@ -11,6 +11,8 @@
     <p:sldId id="259" r:id="rId5"/>
     <p:sldId id="260" r:id="rId6"/>
     <p:sldId id="261" r:id="rId7"/>
+    <p:sldId id="262" r:id="rId8"/>
+    <p:sldId id="263" r:id="rId9"/>
   </p:sldIdLst>
   <p:sldSz cx="12192000" cy="6858000"/>
   <p:notesSz cx="6858000" cy="9144000"/>
@@ -109,6 +111,11 @@
       </a:defRPr>
     </a:lvl9pPr>
   </p:defaultTextStyle>
+  <p:extLst>
+    <p:ext uri="{EFAFB233-063F-42B5-8137-9DF3F51BA10A}">
+      <p15:sldGuideLst xmlns:p15="http://schemas.microsoft.com/office/powerpoint/2012/main"/>
+    </p:ext>
+  </p:extLst>
 </p:presentation>
 </file>
 
@@ -5901,8 +5908,8 @@
         </p:blipFill>
         <p:spPr>
           <a:xfrm>
-            <a:off x="4104217" y="1875367"/>
-            <a:ext cx="2984500" cy="3987800"/>
+            <a:off x="4011082" y="2119926"/>
+            <a:ext cx="2829984" cy="3781341"/>
           </a:xfrm>
           <a:prstGeom prst="rect">
             <a:avLst/>
@@ -5963,7 +5970,7 @@
             <a:pPr algn="ctr"/>
             <a:r>
               <a:rPr lang="es-PE" dirty="0"/>
-              <a:t>4 Páginas</a:t>
+              <a:t>5 Páginas</a:t>
             </a:r>
             <a:endParaRPr lang="en-US" dirty="0"/>
           </a:p>
@@ -6122,16 +6129,15 @@
             <p:ph idx="1"/>
           </p:nvPr>
         </p:nvPicPr>
-        <p:blipFill>
+        <p:blipFill rotWithShape="1">
           <a:blip r:embed="rId2"/>
-          <a:stretch>
-            <a:fillRect/>
-          </a:stretch>
+          <a:srcRect l="22422"/>
+          <a:stretch/>
         </p:blipFill>
         <p:spPr>
           <a:xfrm>
-            <a:off x="1774707" y="1669522"/>
-            <a:ext cx="7113613" cy="4578878"/>
+            <a:off x="2531532" y="1463226"/>
+            <a:ext cx="6070601" cy="5036895"/>
           </a:xfrm>
         </p:spPr>
       </p:pic>
@@ -6250,8 +6256,8 @@
         </p:blipFill>
         <p:spPr>
           <a:xfrm>
-            <a:off x="2614393" y="1617134"/>
-            <a:ext cx="5457570" cy="4831292"/>
+            <a:off x="2614393" y="1337733"/>
+            <a:ext cx="5773190" cy="5110693"/>
           </a:xfrm>
         </p:spPr>
       </p:pic>
@@ -6359,16 +6365,15 @@
             <p:ph idx="1"/>
           </p:nvPr>
         </p:nvPicPr>
-        <p:blipFill>
+        <p:blipFill rotWithShape="1">
           <a:blip r:embed="rId2"/>
-          <a:stretch>
-            <a:fillRect/>
-          </a:stretch>
+          <a:srcRect r="9749"/>
+          <a:stretch/>
         </p:blipFill>
         <p:spPr>
           <a:xfrm>
             <a:off x="2345267" y="1576387"/>
-            <a:ext cx="5960533" cy="4469029"/>
+            <a:ext cx="6112933" cy="5078413"/>
           </a:xfrm>
         </p:spPr>
       </p:pic>
@@ -6423,39 +6428,265 @@
           <a:bodyPr/>
           <a:lstStyle/>
           <a:p>
-            <a:endParaRPr lang="en-US"/>
-          </a:p>
-        </p:txBody>
-      </p:sp>
-      <p:sp>
-        <p:nvSpPr>
-          <p:cNvPr id="3" name="Marcador de contenido 2">
+            <a:r>
+              <a:rPr lang="es-ES" dirty="0"/>
+              <a:t>Pol</a:t>
+            </a:r>
+            <a:r>
+              <a:rPr lang="es-PE" dirty="0" err="1"/>
+              <a:t>íticas</a:t>
+            </a:r>
+            <a:r>
+              <a:rPr lang="es-PE" dirty="0"/>
+              <a:t> </a:t>
+            </a:r>
+            <a:r>
+              <a:rPr lang="es-PE" dirty="0">
+                <a:sym typeface="Wingdings" panose="05000000000000000000" pitchFamily="2" charset="2"/>
+              </a:rPr>
+              <a:t></a:t>
+            </a:r>
+            <a:r>
+              <a:rPr lang="en-US" dirty="0">
+                <a:sym typeface="Wingdings" panose="05000000000000000000" pitchFamily="2" charset="2"/>
+              </a:rPr>
+              <a:t> </a:t>
+            </a:r>
+            <a:r>
+              <a:rPr lang="es-ES" dirty="0">
+                <a:sym typeface="Wingdings" panose="05000000000000000000" pitchFamily="2" charset="2"/>
+              </a:rPr>
+              <a:t>Envíos </a:t>
+            </a:r>
+            <a:r>
+              <a:rPr lang="es-ES" dirty="0" err="1">
+                <a:sym typeface="Wingdings" panose="05000000000000000000" pitchFamily="2" charset="2"/>
+              </a:rPr>
+              <a:t>Delivery</a:t>
+            </a:r>
+            <a:endParaRPr lang="en-US" dirty="0"/>
+          </a:p>
+        </p:txBody>
+      </p:sp>
+      <p:pic>
+        <p:nvPicPr>
+          <p:cNvPr id="5" name="Marcador de contenido 4">
             <a:extLst>
               <a:ext uri="{FF2B5EF4-FFF2-40B4-BE49-F238E27FC236}">
-                <a16:creationId xmlns:a16="http://schemas.microsoft.com/office/drawing/2014/main" id="{82D8C9BB-9479-8595-522E-486B479E248E}"/>
+                <a16:creationId xmlns:a16="http://schemas.microsoft.com/office/drawing/2014/main" id="{E18FAC0B-352C-3B1F-96B9-850801CABC6F}"/>
               </a:ext>
             </a:extLst>
           </p:cNvPr>
-          <p:cNvSpPr>
-            <a:spLocks noGrp="1"/>
-          </p:cNvSpPr>
+          <p:cNvPicPr>
+            <a:picLocks noGrp="1" noChangeAspect="1"/>
+          </p:cNvPicPr>
           <p:nvPr>
             <p:ph idx="1"/>
           </p:nvPr>
-        </p:nvSpPr>
-        <p:spPr/>
-        <p:txBody>
-          <a:bodyPr/>
-          <a:lstStyle/>
-          <a:p>
-            <a:endParaRPr lang="en-US"/>
-          </a:p>
-        </p:txBody>
-      </p:sp>
+        </p:nvPicPr>
+        <p:blipFill rotWithShape="1">
+          <a:blip r:embed="rId2"/>
+          <a:srcRect r="13793"/>
+          <a:stretch/>
+        </p:blipFill>
+        <p:spPr>
+          <a:xfrm>
+            <a:off x="1434528" y="1337733"/>
+            <a:ext cx="7006739" cy="5427134"/>
+          </a:xfrm>
+        </p:spPr>
+      </p:pic>
     </p:spTree>
     <p:extLst>
       <p:ext uri="{BB962C8B-B14F-4D97-AF65-F5344CB8AC3E}">
         <p14:creationId xmlns:p14="http://schemas.microsoft.com/office/powerpoint/2010/main" val="2329102651"/>
+      </p:ext>
+    </p:extLst>
+  </p:cSld>
+  <p:clrMapOvr>
+    <a:masterClrMapping/>
+  </p:clrMapOvr>
+</p:sld>
+</file>
+
+<file path=ppt/slides/slide7.xml><?xml version="1.0" encoding="utf-8"?>
+<p:sld xmlns:a="http://schemas.openxmlformats.org/drawingml/2006/main" xmlns:r="http://schemas.openxmlformats.org/officeDocument/2006/relationships" xmlns:p="http://schemas.openxmlformats.org/presentationml/2006/main">
+  <p:cSld>
+    <p:spTree>
+      <p:nvGrpSpPr>
+        <p:cNvPr id="1" name=""/>
+        <p:cNvGrpSpPr/>
+        <p:nvPr/>
+      </p:nvGrpSpPr>
+      <p:grpSpPr>
+        <a:xfrm>
+          <a:off x="0" y="0"/>
+          <a:ext cx="0" cy="0"/>
+          <a:chOff x="0" y="0"/>
+          <a:chExt cx="0" cy="0"/>
+        </a:xfrm>
+      </p:grpSpPr>
+      <p:sp>
+        <p:nvSpPr>
+          <p:cNvPr id="2" name="Título 1">
+            <a:extLst>
+              <a:ext uri="{FF2B5EF4-FFF2-40B4-BE49-F238E27FC236}">
+                <a16:creationId xmlns:a16="http://schemas.microsoft.com/office/drawing/2014/main" id="{7048B55A-4B87-CEE5-A6FC-E3AA7BCB2C53}"/>
+              </a:ext>
+            </a:extLst>
+          </p:cNvPr>
+          <p:cNvSpPr>
+            <a:spLocks noGrp="1"/>
+          </p:cNvSpPr>
+          <p:nvPr>
+            <p:ph type="title"/>
+          </p:nvPr>
+        </p:nvSpPr>
+        <p:spPr/>
+        <p:txBody>
+          <a:bodyPr/>
+          <a:lstStyle/>
+          <a:p>
+            <a:r>
+              <a:rPr lang="es-PE" dirty="0">
+                <a:sym typeface="Wingdings" panose="05000000000000000000" pitchFamily="2" charset="2"/>
+              </a:rPr>
+              <a:t>Contáctanos</a:t>
+            </a:r>
+            <a:r>
+              <a:rPr lang="en-US" dirty="0">
+                <a:sym typeface="Wingdings" panose="05000000000000000000" pitchFamily="2" charset="2"/>
+              </a:rPr>
+              <a:t> </a:t>
+            </a:r>
+            <a:r>
+              <a:rPr lang="es-ES" dirty="0">
+                <a:sym typeface="Wingdings" panose="05000000000000000000" pitchFamily="2" charset="2"/>
+              </a:rPr>
+              <a:t>Contactos</a:t>
+            </a:r>
+            <a:endParaRPr lang="en-US" dirty="0"/>
+          </a:p>
+        </p:txBody>
+      </p:sp>
+      <p:pic>
+        <p:nvPicPr>
+          <p:cNvPr id="5" name="Marcador de contenido 4">
+            <a:extLst>
+              <a:ext uri="{FF2B5EF4-FFF2-40B4-BE49-F238E27FC236}">
+                <a16:creationId xmlns:a16="http://schemas.microsoft.com/office/drawing/2014/main" id="{C7AAE195-DBD0-4B8A-2930-9A14E9572F77}"/>
+              </a:ext>
+            </a:extLst>
+          </p:cNvPr>
+          <p:cNvPicPr>
+            <a:picLocks noGrp="1" noChangeAspect="1"/>
+          </p:cNvPicPr>
+          <p:nvPr>
+            <p:ph idx="1"/>
+          </p:nvPr>
+        </p:nvPicPr>
+        <p:blipFill>
+          <a:blip r:embed="rId2"/>
+          <a:stretch>
+            <a:fillRect/>
+          </a:stretch>
+        </p:blipFill>
+        <p:spPr>
+          <a:xfrm>
+            <a:off x="2496354" y="1423988"/>
+            <a:ext cx="5784046" cy="5161334"/>
+          </a:xfrm>
+        </p:spPr>
+      </p:pic>
+    </p:spTree>
+    <p:extLst>
+      <p:ext uri="{BB962C8B-B14F-4D97-AF65-F5344CB8AC3E}">
+        <p14:creationId xmlns:p14="http://schemas.microsoft.com/office/powerpoint/2010/main" val="3916228727"/>
+      </p:ext>
+    </p:extLst>
+  </p:cSld>
+  <p:clrMapOvr>
+    <a:masterClrMapping/>
+  </p:clrMapOvr>
+</p:sld>
+</file>
+
+<file path=ppt/slides/slide8.xml><?xml version="1.0" encoding="utf-8"?>
+<p:sld xmlns:a="http://schemas.openxmlformats.org/drawingml/2006/main" xmlns:r="http://schemas.openxmlformats.org/officeDocument/2006/relationships" xmlns:p="http://schemas.openxmlformats.org/presentationml/2006/main">
+  <p:cSld>
+    <p:spTree>
+      <p:nvGrpSpPr>
+        <p:cNvPr id="1" name=""/>
+        <p:cNvGrpSpPr/>
+        <p:nvPr/>
+      </p:nvGrpSpPr>
+      <p:grpSpPr>
+        <a:xfrm>
+          <a:off x="0" y="0"/>
+          <a:ext cx="0" cy="0"/>
+          <a:chOff x="0" y="0"/>
+          <a:chExt cx="0" cy="0"/>
+        </a:xfrm>
+      </p:grpSpPr>
+      <p:sp>
+        <p:nvSpPr>
+          <p:cNvPr id="2" name="Título 1">
+            <a:extLst>
+              <a:ext uri="{FF2B5EF4-FFF2-40B4-BE49-F238E27FC236}">
+                <a16:creationId xmlns:a16="http://schemas.microsoft.com/office/drawing/2014/main" id="{3BC673F2-C4EA-F774-4B23-19728416CB39}"/>
+              </a:ext>
+            </a:extLst>
+          </p:cNvPr>
+          <p:cNvSpPr>
+            <a:spLocks noGrp="1"/>
+          </p:cNvSpPr>
+          <p:nvPr>
+            <p:ph type="title"/>
+          </p:nvPr>
+        </p:nvSpPr>
+        <p:spPr/>
+        <p:txBody>
+          <a:bodyPr/>
+          <a:lstStyle/>
+          <a:p>
+            <a:pPr algn="ctr"/>
+            <a:r>
+              <a:rPr lang="es-PE" dirty="0"/>
+              <a:t>6 Artículos</a:t>
+            </a:r>
+            <a:endParaRPr lang="en-US" dirty="0"/>
+          </a:p>
+        </p:txBody>
+      </p:sp>
+      <p:sp>
+        <p:nvSpPr>
+          <p:cNvPr id="3" name="Marcador de contenido 2">
+            <a:extLst>
+              <a:ext uri="{FF2B5EF4-FFF2-40B4-BE49-F238E27FC236}">
+                <a16:creationId xmlns:a16="http://schemas.microsoft.com/office/drawing/2014/main" id="{7210E9DE-2AD3-BFFA-D378-FCAC1E20ECD2}"/>
+              </a:ext>
+            </a:extLst>
+          </p:cNvPr>
+          <p:cNvSpPr>
+            <a:spLocks noGrp="1"/>
+          </p:cNvSpPr>
+          <p:nvPr>
+            <p:ph idx="1"/>
+          </p:nvPr>
+        </p:nvSpPr>
+        <p:spPr/>
+        <p:txBody>
+          <a:bodyPr/>
+          <a:lstStyle/>
+          <a:p>
+            <a:endParaRPr lang="en-US"/>
+          </a:p>
+        </p:txBody>
+      </p:sp>
+    </p:spTree>
+    <p:extLst>
+      <p:ext uri="{BB962C8B-B14F-4D97-AF65-F5344CB8AC3E}">
+        <p14:creationId xmlns:p14="http://schemas.microsoft.com/office/powerpoint/2010/main" val="1702363840"/>
       </p:ext>
     </p:extLst>
   </p:cSld>
